--- a/Slides/Day-2/FASTAPI Development using Python on Cloud-Day2.pptx
+++ b/Slides/Day-2/FASTAPI Development using Python on Cloud-Day2.pptx
@@ -3496,7 +3496,7 @@
           <a:p>
             <a:fld id="{FD1C4689-B28D-4D3C-8B05-9ABB967E2A3E}" type="datetime1">
               <a:rPr lang="en-US" smtClean="0"/>
-              <a:t>2/7/2026</a:t>
+              <a:t>2/8/2026</a:t>
             </a:fld>
             <a:endParaRPr lang="en-US" dirty="0"/>
           </a:p>
@@ -3753,7 +3753,7 @@
           <a:p>
             <a:fld id="{FD1C4689-B28D-4D3C-8B05-9ABB967E2A3E}" type="datetime1">
               <a:rPr lang="en-US" smtClean="0"/>
-              <a:t>2/7/2026</a:t>
+              <a:t>2/8/2026</a:t>
             </a:fld>
             <a:endParaRPr lang="en-US" dirty="0"/>
           </a:p>
@@ -4073,7 +4073,7 @@
           <a:p>
             <a:fld id="{FD1C4689-B28D-4D3C-8B05-9ABB967E2A3E}" type="datetime1">
               <a:rPr lang="en-US" smtClean="0"/>
-              <a:t>2/7/2026</a:t>
+              <a:t>2/8/2026</a:t>
             </a:fld>
             <a:endParaRPr lang="en-US" dirty="0"/>
           </a:p>
@@ -4412,7 +4412,7 @@
           <a:p>
             <a:fld id="{FD1C4689-B28D-4D3C-8B05-9ABB967E2A3E}" type="datetime1">
               <a:rPr lang="en-US" smtClean="0"/>
-              <a:t>2/7/2026</a:t>
+              <a:t>2/8/2026</a:t>
             </a:fld>
             <a:endParaRPr lang="en-US" dirty="0"/>
           </a:p>
@@ -4732,7 +4732,7 @@
           <a:p>
             <a:fld id="{FD1C4689-B28D-4D3C-8B05-9ABB967E2A3E}" type="datetime1">
               <a:rPr lang="en-US" smtClean="0"/>
-              <a:t>2/7/2026</a:t>
+              <a:t>2/8/2026</a:t>
             </a:fld>
             <a:endParaRPr lang="en-US" dirty="0"/>
           </a:p>
@@ -5131,7 +5131,7 @@
           <a:p>
             <a:fld id="{FD1C4689-B28D-4D3C-8B05-9ABB967E2A3E}" type="datetime1">
               <a:rPr lang="en-US" smtClean="0"/>
-              <a:t>2/7/2026</a:t>
+              <a:t>2/8/2026</a:t>
             </a:fld>
             <a:endParaRPr lang="en-US" dirty="0"/>
           </a:p>
@@ -5307,7 +5307,7 @@
           <a:p>
             <a:fld id="{FD1C4689-B28D-4D3C-8B05-9ABB967E2A3E}" type="datetime1">
               <a:rPr lang="en-US" smtClean="0"/>
-              <a:t>2/7/2026</a:t>
+              <a:t>2/8/2026</a:t>
             </a:fld>
             <a:endParaRPr lang="en-US" dirty="0"/>
           </a:p>
@@ -5493,7 +5493,7 @@
           <a:p>
             <a:fld id="{FD1C4689-B28D-4D3C-8B05-9ABB967E2A3E}" type="datetime1">
               <a:rPr lang="en-US" smtClean="0"/>
-              <a:t>2/7/2026</a:t>
+              <a:t>2/8/2026</a:t>
             </a:fld>
             <a:endParaRPr lang="en-US" dirty="0"/>
           </a:p>
@@ -5669,7 +5669,7 @@
           <a:p>
             <a:fld id="{FD1C4689-B28D-4D3C-8B05-9ABB967E2A3E}" type="datetime1">
               <a:rPr lang="en-US" smtClean="0"/>
-              <a:t>2/7/2026</a:t>
+              <a:t>2/8/2026</a:t>
             </a:fld>
             <a:endParaRPr lang="en-US" dirty="0"/>
           </a:p>
@@ -5922,7 +5922,7 @@
           <a:p>
             <a:fld id="{FD1C4689-B28D-4D3C-8B05-9ABB967E2A3E}" type="datetime1">
               <a:rPr lang="en-US" smtClean="0"/>
-              <a:t>2/7/2026</a:t>
+              <a:t>2/8/2026</a:t>
             </a:fld>
             <a:endParaRPr lang="en-US" dirty="0"/>
           </a:p>
@@ -6160,7 +6160,7 @@
           <a:p>
             <a:fld id="{FD1C4689-B28D-4D3C-8B05-9ABB967E2A3E}" type="datetime1">
               <a:rPr lang="en-US" smtClean="0"/>
-              <a:t>2/7/2026</a:t>
+              <a:t>2/8/2026</a:t>
             </a:fld>
             <a:endParaRPr lang="en-US" dirty="0"/>
           </a:p>
@@ -6540,7 +6540,7 @@
           <a:p>
             <a:fld id="{FD1C4689-B28D-4D3C-8B05-9ABB967E2A3E}" type="datetime1">
               <a:rPr lang="en-US" smtClean="0"/>
-              <a:t>2/7/2026</a:t>
+              <a:t>2/8/2026</a:t>
             </a:fld>
             <a:endParaRPr lang="en-US" dirty="0"/>
           </a:p>
@@ -6669,7 +6669,7 @@
           <a:p>
             <a:fld id="{7C72CE4D-D83F-44D4-ACB0-A88A6B9DB4F7}" type="datetime1">
               <a:rPr lang="en-US" smtClean="0"/>
-              <a:t>2/7/2026</a:t>
+              <a:t>2/8/2026</a:t>
             </a:fld>
             <a:endParaRPr lang="en-US"/>
           </a:p>
@@ -6767,7 +6767,7 @@
           <a:p>
             <a:fld id="{9A62F981-1EE1-49F5-B605-4EA23F0307AC}" type="datetime1">
               <a:rPr lang="en-US" smtClean="0"/>
-              <a:t>2/7/2026</a:t>
+              <a:t>2/8/2026</a:t>
             </a:fld>
             <a:endParaRPr lang="en-US"/>
           </a:p>
@@ -7025,7 +7025,7 @@
           <a:p>
             <a:fld id="{B0B6493B-A447-4205-AC2D-AE2DEDAE4E3B}" type="datetime1">
               <a:rPr lang="en-US" smtClean="0"/>
-              <a:t>2/7/2026</a:t>
+              <a:t>2/8/2026</a:t>
             </a:fld>
             <a:endParaRPr lang="en-US"/>
           </a:p>
@@ -7338,7 +7338,7 @@
           <a:p>
             <a:fld id="{FD1C4689-B28D-4D3C-8B05-9ABB967E2A3E}" type="datetime1">
               <a:rPr lang="en-US" smtClean="0"/>
-              <a:t>2/7/2026</a:t>
+              <a:t>2/8/2026</a:t>
             </a:fld>
             <a:endParaRPr lang="en-US" dirty="0"/>
           </a:p>
@@ -8097,7 +8097,7 @@
           <a:p>
             <a:fld id="{FD1C4689-B28D-4D3C-8B05-9ABB967E2A3E}" type="datetime1">
               <a:rPr lang="en-US" smtClean="0"/>
-              <a:t>2/7/2026</a:t>
+              <a:t>2/8/2026</a:t>
             </a:fld>
             <a:endParaRPr lang="en-US" dirty="0"/>
           </a:p>
@@ -9589,13 +9589,8 @@
           <a:p>
             <a:r>
               <a:rPr lang="en-US" dirty="0"/>
-              <a:t>Alembic &amp; </a:t>
-            </a:r>
-            <a:r>
-              <a:rPr lang="en-US" dirty="0" err="1"/>
-              <a:t>SQLAlchemy</a:t>
-            </a:r>
-            <a:endParaRPr lang="en-US" dirty="0"/>
+              <a:t>Alembic &amp; SQLAlchemy</a:t>
+            </a:r>
           </a:p>
         </p:txBody>
       </p:sp>
@@ -9633,13 +9628,8 @@
             </a:pPr>
             <a:r>
               <a:rPr lang="en-US" dirty="0"/>
-              <a:t>Lightweight database migration tool for when using </a:t>
-            </a:r>
-            <a:r>
-              <a:rPr lang="en-US" dirty="0" err="1"/>
-              <a:t>SQLAlchemy</a:t>
-            </a:r>
-            <a:endParaRPr lang="en-US" dirty="0"/>
+              <a:t>Lightweight database migration tool for when using SQLAlchemy</a:t>
+            </a:r>
           </a:p>
           <a:p>
             <a:pPr marL="285750" indent="-285750">
@@ -9672,15 +9662,7 @@
             </a:pPr>
             <a:r>
               <a:rPr lang="en-US" dirty="0"/>
-              <a:t>Alembic allows to change a </a:t>
-            </a:r>
-            <a:r>
-              <a:rPr lang="en-US" dirty="0" err="1"/>
-              <a:t>SQLAlchemy</a:t>
-            </a:r>
-            <a:r>
-              <a:rPr lang="en-US" dirty="0"/>
-              <a:t> database table after it has been created. </a:t>
+              <a:t>Alembic allows to change a SQLAlchemy database table after it has been created. </a:t>
             </a:r>
           </a:p>
           <a:p>
@@ -9697,15 +9679,7 @@
             </a:pPr>
             <a:r>
               <a:rPr lang="en-US" dirty="0"/>
-              <a:t>Currently </a:t>
-            </a:r>
-            <a:r>
-              <a:rPr lang="en-US" dirty="0" err="1"/>
-              <a:t>SQLAlchemy</a:t>
-            </a:r>
-            <a:r>
-              <a:rPr lang="en-US" dirty="0"/>
-              <a:t> will only create new database tables. </a:t>
+              <a:t>Currently SQLAlchemy will only create new database tables. </a:t>
             </a:r>
           </a:p>
           <a:p>
@@ -9814,13 +9788,8 @@
           <a:p>
             <a:r>
               <a:rPr lang="en-US" dirty="0"/>
-              <a:t>Running Your </a:t>
-            </a:r>
-            <a:r>
-              <a:rPr lang="en-US" dirty="0" err="1"/>
-              <a:t>SQLModel</a:t>
-            </a:r>
-            <a:endParaRPr lang="en-US" dirty="0"/>
+              <a:t>Running Your SQLModel</a:t>
+            </a:r>
           </a:p>
         </p:txBody>
       </p:sp>
@@ -9848,7 +9817,7 @@
           <a:lstStyle/>
           <a:p>
             <a:r>
-              <a:rPr lang="en-US" b="1" dirty="0" err="1"/>
+              <a:rPr lang="en-US" b="1" dirty="0"/>
               <a:t>SQLModel</a:t>
             </a:r>
             <a:r>
@@ -9856,7 +9825,7 @@
               <a:t> is built on top of </a:t>
             </a:r>
             <a:r>
-              <a:rPr lang="en-US" dirty="0" err="1">
+              <a:rPr lang="en-US" dirty="0">
                 <a:hlinkClick r:id="rId2"/>
               </a:rPr>
               <a:t>SQLAlchemy</a:t>
@@ -9904,23 +9873,7 @@
           <a:p>
             <a:r>
               <a:rPr lang="en-US" dirty="0"/>
-              <a:t>As </a:t>
-            </a:r>
-            <a:r>
-              <a:rPr lang="en-US" dirty="0" err="1"/>
-              <a:t>SQLModel</a:t>
-            </a:r>
-            <a:r>
-              <a:rPr lang="en-US" dirty="0"/>
-              <a:t> is based on </a:t>
-            </a:r>
-            <a:r>
-              <a:rPr lang="en-US" dirty="0" err="1"/>
-              <a:t>SQLAlchemy</a:t>
-            </a:r>
-            <a:r>
-              <a:rPr lang="en-US" dirty="0"/>
-              <a:t>, you can easily use </a:t>
+              <a:t>As SQLModel is based on SQLAlchemy, you can easily use </a:t>
             </a:r>
             <a:r>
               <a:rPr lang="en-US" b="1" dirty="0"/>
@@ -9928,23 +9881,7 @@
             </a:r>
             <a:r>
               <a:rPr lang="en-US" dirty="0"/>
-              <a:t> by </a:t>
-            </a:r>
-            <a:r>
-              <a:rPr lang="en-US" dirty="0" err="1"/>
-              <a:t>SQLAlchemy</a:t>
-            </a:r>
-            <a:r>
-              <a:rPr lang="en-US" dirty="0"/>
-              <a:t> (which makes them also supported by </a:t>
-            </a:r>
-            <a:r>
-              <a:rPr lang="en-US" dirty="0" err="1"/>
-              <a:t>SQLModel</a:t>
-            </a:r>
-            <a:r>
-              <a:rPr lang="en-US" dirty="0"/>
-              <a:t>), like:</a:t>
+              <a:t> by SQLAlchemy (which makes them also supported by SQLModel), like:</a:t>
             </a:r>
           </a:p>
           <a:p>
@@ -10035,13 +9972,8 @@
           <a:p>
             <a:r>
               <a:rPr lang="en-US" dirty="0"/>
-              <a:t>Install </a:t>
-            </a:r>
-            <a:r>
-              <a:rPr lang="en-US" dirty="0" err="1"/>
-              <a:t>SQLModel</a:t>
-            </a:r>
-            <a:endParaRPr lang="en-US" dirty="0"/>
+              <a:t>Install SQLModel</a:t>
+            </a:r>
           </a:p>
         </p:txBody>
       </p:sp>
@@ -10196,7 +10128,7 @@
           <a:lstStyle/>
           <a:p>
             <a:r>
-              <a:rPr lang="en-US"/>
+              <a:rPr lang="en-US" dirty="0"/>
               <a:t>Create SQL Table with SQLModel</a:t>
             </a:r>
           </a:p>
@@ -10542,15 +10474,7 @@
             </a:r>
             <a:r>
               <a:rPr lang="en-US" dirty="0"/>
-              <a:t> import Field, Session, </a:t>
-            </a:r>
-            <a:r>
-              <a:rPr lang="en-US" dirty="0" err="1"/>
-              <a:t>SQLModel</a:t>
-            </a:r>
-            <a:r>
-              <a:rPr lang="en-US" dirty="0"/>
-              <a:t>, </a:t>
+              <a:t> import Field, Session, SQLModel, </a:t>
             </a:r>
             <a:r>
               <a:rPr lang="en-US" dirty="0" err="1"/>
@@ -10570,15 +10494,7 @@
           <a:p>
             <a:r>
               <a:rPr lang="en-US" dirty="0"/>
-              <a:t>class Hero(</a:t>
-            </a:r>
-            <a:r>
-              <a:rPr lang="en-US" dirty="0" err="1"/>
-              <a:t>SQLModel</a:t>
-            </a:r>
-            <a:r>
-              <a:rPr lang="en-US" dirty="0"/>
-              <a:t>, table=True):</a:t>
+              <a:t>class Hero(SQLModel, table=True):</a:t>
             </a:r>
           </a:p>
           <a:p>
@@ -10837,15 +10753,7 @@
           <a:p>
             <a:r>
               <a:rPr lang="en-US" dirty="0"/>
-              <a:t>The </a:t>
-            </a:r>
-            <a:r>
-              <a:rPr lang="en-US" dirty="0" err="1"/>
-              <a:t>SQLModel</a:t>
-            </a:r>
-            <a:r>
-              <a:rPr lang="en-US" dirty="0"/>
-              <a:t> Advantage</a:t>
+              <a:t>The SQLModel Advantage</a:t>
             </a:r>
           </a:p>
         </p:txBody>
@@ -10956,12 +10864,8 @@
               <a:buChar char="•"/>
             </a:pPr>
             <a:r>
-              <a:rPr lang="en-US" dirty="0" err="1"/>
-              <a:t>SQLModel</a:t>
-            </a:r>
-            <a:r>
-              <a:rPr lang="en-US" dirty="0"/>
-              <a:t> object is not only a </a:t>
+              <a:rPr lang="en-US" dirty="0"/>
+              <a:t>SQLModel object is not only a </a:t>
             </a:r>
             <a:r>
               <a:rPr lang="en-US" dirty="0" err="1"/>
@@ -10969,15 +10873,7 @@
             </a:r>
             <a:r>
               <a:rPr lang="en-US" dirty="0"/>
-              <a:t> model instance but also </a:t>
-            </a:r>
-            <a:r>
-              <a:rPr lang="en-US" dirty="0" err="1"/>
-              <a:t>SQLAlchemy</a:t>
-            </a:r>
-            <a:r>
-              <a:rPr lang="en-US" dirty="0"/>
-              <a:t> model instance which we can use directly in a session to create new row in database. </a:t>
+              <a:t> model instance but also SQLAlchemy model instance which we can use directly in a session to create new row in database. </a:t>
             </a:r>
           </a:p>
           <a:p>
@@ -11164,7 +11060,7 @@
           <a:p>
             <a:r>
               <a:rPr lang="en-US" dirty="0"/>
-              <a:t>Query Parameter</a:t>
+              <a:t>Create the table with SQLModel</a:t>
             </a:r>
           </a:p>
         </p:txBody>
@@ -11188,120 +11084,55 @@
         <p:spPr/>
         <p:txBody>
           <a:bodyPr>
-            <a:normAutofit fontScale="92500" lnSpcReduction="20000"/>
+            <a:normAutofit/>
           </a:bodyPr>
           <a:lstStyle/>
           <a:p>
             <a:r>
               <a:rPr lang="en-US" dirty="0"/>
-              <a:t>Request </a:t>
-            </a:r>
-          </a:p>
-          <a:p>
-            <a:r>
-              <a:rPr lang="en-US" dirty="0"/>
-              <a:t>URL: 127.0.0.1:8000/books/?category=science</a:t>
-            </a:r>
-          </a:p>
-          <a:p>
+              <a:t>Define a table with </a:t>
+            </a:r>
+            <a:r>
+              <a:rPr lang="en-US" b="1" dirty="0"/>
+              <a:t>SQLModel</a:t>
+            </a:r>
             <a:endParaRPr lang="en-US" dirty="0"/>
           </a:p>
           <a:p>
             <a:r>
               <a:rPr lang="en-US" dirty="0"/>
-              <a:t>@app.get("/books/")</a:t>
-            </a:r>
-          </a:p>
-          <a:p>
-            <a:r>
-              <a:rPr lang="en-US" dirty="0"/>
-              <a:t>async def </a:t>
-            </a:r>
-            <a:r>
-              <a:rPr lang="en-US" dirty="0" err="1"/>
-              <a:t>read_category_by_query</a:t>
-            </a:r>
-            <a:r>
-              <a:rPr lang="en-US" dirty="0"/>
-              <a:t>(category: str):</a:t>
-            </a:r>
-          </a:p>
-          <a:p>
-            <a:r>
-              <a:rPr lang="en-US" dirty="0"/>
-              <a:t>    </a:t>
-            </a:r>
-            <a:r>
-              <a:rPr lang="en-US" dirty="0" err="1"/>
-              <a:t>books_to_return</a:t>
-            </a:r>
-            <a:r>
-              <a:rPr lang="en-US" dirty="0"/>
-              <a:t> = []</a:t>
-            </a:r>
-          </a:p>
-          <a:p>
-            <a:r>
-              <a:rPr lang="en-US" dirty="0"/>
-              <a:t>    for book in BOOKS:</a:t>
-            </a:r>
-          </a:p>
-          <a:p>
-            <a:r>
-              <a:rPr lang="en-US" dirty="0"/>
-              <a:t>        if </a:t>
-            </a:r>
-            <a:r>
-              <a:rPr lang="en-US" dirty="0" err="1"/>
-              <a:t>book.get</a:t>
-            </a:r>
-            <a:r>
-              <a:rPr lang="en-US" dirty="0"/>
-              <a:t>('category').</a:t>
-            </a:r>
-            <a:r>
-              <a:rPr lang="en-US" dirty="0" err="1"/>
-              <a:t>casefold</a:t>
-            </a:r>
-            <a:r>
-              <a:rPr lang="en-US" dirty="0"/>
-              <a:t>() == </a:t>
-            </a:r>
-            <a:r>
-              <a:rPr lang="en-US" dirty="0" err="1"/>
-              <a:t>category.casefold</a:t>
-            </a:r>
-            <a:r>
-              <a:rPr lang="en-US" dirty="0"/>
-              <a:t>():</a:t>
-            </a:r>
-          </a:p>
-          <a:p>
-            <a:r>
-              <a:rPr lang="en-US" dirty="0"/>
-              <a:t>            </a:t>
-            </a:r>
-            <a:r>
-              <a:rPr lang="en-US" dirty="0" err="1"/>
-              <a:t>books_to_return.append</a:t>
-            </a:r>
-            <a:r>
-              <a:rPr lang="en-US" dirty="0"/>
-              <a:t>(book)</a:t>
-            </a:r>
-          </a:p>
-          <a:p>
-            <a:r>
-              <a:rPr lang="en-US" dirty="0"/>
-              <a:t>    return </a:t>
-            </a:r>
-            <a:r>
-              <a:rPr lang="en-US" dirty="0" err="1"/>
-              <a:t>books_to_return</a:t>
+              <a:t>Create the same SQLite database and table with </a:t>
+            </a:r>
+            <a:r>
+              <a:rPr lang="en-US" b="1" dirty="0"/>
+              <a:t>SQLModel</a:t>
             </a:r>
             <a:endParaRPr lang="en-US" dirty="0"/>
           </a:p>
           <a:p>
+            <a:r>
+              <a:rPr lang="en-US" dirty="0"/>
+              <a:t>Use </a:t>
+            </a:r>
+            <a:r>
+              <a:rPr lang="en-US" b="1" dirty="0"/>
+              <a:t>DB Browser for SQLite</a:t>
+            </a:r>
+            <a:r>
+              <a:rPr lang="en-US" dirty="0"/>
+              <a:t> to confirm the operations</a:t>
+            </a:r>
+          </a:p>
+          <a:p>
+            <a:pPr marL="0" indent="0">
+              <a:buNone/>
+            </a:pPr>
+            <a:endParaRPr lang="en-US" dirty="0"/>
+          </a:p>
+          <a:p>
+            <a:pPr marL="0" indent="0">
+              <a:buNone/>
+            </a:pPr>
             <a:br>
               <a:rPr lang="en-US" dirty="0"/>
             </a:br>
@@ -11312,6 +11143,46 @@
           </a:p>
         </p:txBody>
       </p:sp>
+      <p:pic>
+        <p:nvPicPr>
+          <p:cNvPr id="5" name="Picture 4">
+            <a:extLst>
+              <a:ext uri="{FF2B5EF4-FFF2-40B4-BE49-F238E27FC236}">
+                <a16:creationId xmlns:a16="http://schemas.microsoft.com/office/drawing/2014/main" id="{344FE50E-E081-0DD1-0006-E24F645A28C1}"/>
+              </a:ext>
+            </a:extLst>
+          </p:cNvPr>
+          <p:cNvPicPr>
+            <a:picLocks noChangeAspect="1"/>
+          </p:cNvPicPr>
+          <p:nvPr/>
+        </p:nvPicPr>
+        <p:blipFill>
+          <a:blip r:embed="rId2"/>
+          <a:stretch>
+            <a:fillRect/>
+          </a:stretch>
+        </p:blipFill>
+        <p:spPr>
+          <a:xfrm>
+            <a:off x="1526666" y="3928110"/>
+            <a:ext cx="5972937" cy="1905762"/>
+          </a:xfrm>
+          <a:prstGeom prst="rect">
+            <a:avLst/>
+          </a:prstGeom>
+          <a:ln>
+            <a:noFill/>
+          </a:ln>
+          <a:effectLst>
+            <a:outerShdw blurRad="292100" dist="139700" dir="2700000" algn="tl" rotWithShape="0">
+              <a:srgbClr val="333333">
+                <a:alpha val="65000"/>
+              </a:srgbClr>
+            </a:outerShdw>
+          </a:effectLst>
+        </p:spPr>
+      </p:pic>
     </p:spTree>
     <p:extLst>
       <p:ext uri="{BB962C8B-B14F-4D97-AF65-F5344CB8AC3E}">
@@ -11482,7 +11353,7 @@
           <a:p>
             <a:r>
               <a:rPr lang="en-US" dirty="0"/>
-              <a:t>HTTP POST Request Method</a:t>
+              <a:t>SQL Alchemy Connection - Engine</a:t>
             </a:r>
           </a:p>
         </p:txBody>
@@ -11510,31 +11381,47 @@
           <a:p>
             <a:r>
               <a:rPr lang="en-US" dirty="0"/>
-              <a:t>Used to create data</a:t>
+              <a:t>The start of any </a:t>
+            </a:r>
+            <a:r>
+              <a:rPr lang="en-US" b="1" dirty="0"/>
+              <a:t>SQLAlchemy</a:t>
+            </a:r>
+            <a:r>
+              <a:rPr lang="en-US" dirty="0"/>
+              <a:t> application is an object called the </a:t>
+            </a:r>
+            <a:r>
+              <a:rPr lang="en-US" dirty="0">
+                <a:hlinkClick r:id="rId2" tooltip="sqlalchemy.future.Engine"/>
+              </a:rPr>
+              <a:t>Engine</a:t>
+            </a:r>
+            <a:r>
+              <a:rPr lang="en-US" dirty="0"/>
+              <a:t>. This object acts as a central source of connections to a particular database, providing both a factory as well as a holding space called a </a:t>
+            </a:r>
+            <a:r>
+              <a:rPr lang="en-US" dirty="0">
+                <a:hlinkClick r:id="rId3"/>
+              </a:rPr>
+              <a:t>connection pool</a:t>
+            </a:r>
+            <a:r>
+              <a:rPr lang="en-US" dirty="0"/>
+              <a:t> for these database connections. </a:t>
             </a:r>
           </a:p>
           <a:p>
             <a:endParaRPr lang="en-US" dirty="0"/>
           </a:p>
           <a:p>
-            <a:r>
-              <a:rPr lang="en-US" dirty="0"/>
-              <a:t>POST can have a body that has additional information which GET does not have </a:t>
-            </a:r>
-          </a:p>
-          <a:p>
             <a:endParaRPr lang="en-US" dirty="0"/>
           </a:p>
           <a:p>
             <a:r>
               <a:rPr lang="en-US" dirty="0"/>
-              <a:t>Body structure: </a:t>
-            </a:r>
-          </a:p>
-          <a:p>
-            <a:r>
-              <a:rPr lang="en-US" dirty="0"/>
-              <a:t>{“title”: “Title Seven”, “author”: “Author one”, “category”:</a:t>
+              <a:t>The engine is typically a global object created just once for a particular database server and is configured using a URL string which will describe how it should connect to the database host or backend.</a:t>
             </a:r>
           </a:p>
         </p:txBody>
@@ -11555,6 +11442,14 @@
 <file path=ppt/slides/slide21.xml><?xml version="1.0" encoding="utf-8"?>
 <p:sld xmlns:a="http://schemas.openxmlformats.org/drawingml/2006/main" xmlns:r="http://schemas.openxmlformats.org/officeDocument/2006/relationships" xmlns:p="http://schemas.openxmlformats.org/presentationml/2006/main">
   <p:cSld>
+    <p:bg>
+      <p:bgPr>
+        <a:solidFill>
+          <a:schemeClr val="bg1"/>
+        </a:solidFill>
+        <a:effectLst/>
+      </p:bgPr>
+    </p:bg>
     <p:spTree>
       <p:nvGrpSpPr>
         <p:cNvPr id="1" name=""/>
@@ -11585,255 +11480,321 @@
             <p:ph type="title"/>
           </p:nvPr>
         </p:nvSpPr>
-        <p:spPr/>
-        <p:txBody>
-          <a:bodyPr/>
+        <p:spPr>
+          <a:xfrm>
+            <a:off x="676746" y="609600"/>
+            <a:ext cx="3729076" cy="1320800"/>
+          </a:xfrm>
+        </p:spPr>
+        <p:txBody>
+          <a:bodyPr vert="horz" lIns="91440" tIns="45720" rIns="91440" bIns="45720" rtlCol="0" anchor="ctr">
+            <a:normAutofit/>
+          </a:bodyPr>
           <a:lstStyle/>
           <a:p>
-            <a:r>
-              <a:rPr lang="en-US" dirty="0"/>
-              <a:t>Post Request Method</a:t>
-            </a:r>
-          </a:p>
-        </p:txBody>
-      </p:sp>
-      <p:sp>
-        <p:nvSpPr>
-          <p:cNvPr id="3" name="Content Placeholder 2">
+            <a:pPr>
+              <a:lnSpc>
+                <a:spcPct val="90000"/>
+              </a:lnSpc>
+            </a:pPr>
+            <a:r>
+              <a:rPr lang="en-US" sz="2800"/>
+              <a:t>Getting the Connection with SQLAlchemy</a:t>
+            </a:r>
+          </a:p>
+        </p:txBody>
+      </p:sp>
+      <p:sp>
+        <p:nvSpPr>
+          <p:cNvPr id="9" name="TextBox 8">
             <a:extLst>
               <a:ext uri="{FF2B5EF4-FFF2-40B4-BE49-F238E27FC236}">
-                <a16:creationId xmlns:a16="http://schemas.microsoft.com/office/drawing/2014/main" id="{D6413941-65B4-6AD4-FCF7-F64F851B6459}"/>
+                <a16:creationId xmlns:a16="http://schemas.microsoft.com/office/drawing/2014/main" id="{42672702-DE89-984B-C456-EBF30DDDC302}"/>
               </a:ext>
             </a:extLst>
           </p:cNvPr>
-          <p:cNvSpPr>
-            <a:spLocks noGrp="1"/>
-          </p:cNvSpPr>
-          <p:nvPr>
-            <p:ph idx="1"/>
-          </p:nvPr>
-        </p:nvSpPr>
-        <p:spPr/>
-        <p:txBody>
-          <a:bodyPr/>
-          <a:lstStyle/>
-          <a:p>
-            <a:r>
-              <a:rPr lang="en-US" dirty="0"/>
-              <a:t>Request: </a:t>
-            </a:r>
-          </a:p>
-          <a:p>
-            <a:r>
-              <a:rPr lang="en-US" dirty="0"/>
-              <a:t>URL: 127.0.0.1/books/</a:t>
-            </a:r>
-            <a:r>
-              <a:rPr lang="en-US" dirty="0" err="1"/>
-              <a:t>create_book</a:t>
-            </a:r>
-            <a:endParaRPr lang="en-US" dirty="0"/>
-          </a:p>
-          <a:p>
-            <a:endParaRPr lang="en-US" dirty="0"/>
-          </a:p>
-          <a:p>
-            <a:endParaRPr lang="en-US" dirty="0"/>
-          </a:p>
-          <a:p>
-            <a:r>
-              <a:rPr lang="en-US" dirty="0"/>
-              <a:t>@app.post("/books/create_book")</a:t>
-            </a:r>
-          </a:p>
-          <a:p>
-            <a:r>
-              <a:rPr lang="en-US" dirty="0"/>
-              <a:t>async def </a:t>
-            </a:r>
-            <a:r>
-              <a:rPr lang="en-US" dirty="0" err="1"/>
-              <a:t>create_book</a:t>
-            </a:r>
-            <a:r>
-              <a:rPr lang="en-US" dirty="0"/>
-              <a:t>(</a:t>
-            </a:r>
-            <a:r>
-              <a:rPr lang="en-US" dirty="0" err="1"/>
-              <a:t>new_book</a:t>
-            </a:r>
-            <a:r>
-              <a:rPr lang="en-US" dirty="0"/>
-              <a:t>=Body()):</a:t>
-            </a:r>
-          </a:p>
-          <a:p>
-            <a:r>
-              <a:rPr lang="en-US" dirty="0"/>
-              <a:t>    </a:t>
-            </a:r>
-            <a:r>
-              <a:rPr lang="en-US" dirty="0" err="1"/>
-              <a:t>BOOKS.append</a:t>
-            </a:r>
-            <a:r>
-              <a:rPr lang="en-US" dirty="0"/>
-              <a:t>(</a:t>
-            </a:r>
-            <a:r>
-              <a:rPr lang="en-US" dirty="0" err="1"/>
-              <a:t>new_book</a:t>
-            </a:r>
-            <a:r>
-              <a:rPr lang="en-US" dirty="0"/>
-              <a:t>)</a:t>
-            </a:r>
-          </a:p>
-          <a:p>
-            <a:endParaRPr lang="en-US" dirty="0"/>
-          </a:p>
-        </p:txBody>
-      </p:sp>
-      <p:sp>
-        <p:nvSpPr>
-          <p:cNvPr id="4" name="Rectangle 3">
-            <a:extLst>
-              <a:ext uri="{FF2B5EF4-FFF2-40B4-BE49-F238E27FC236}">
-                <a16:creationId xmlns:a16="http://schemas.microsoft.com/office/drawing/2014/main" id="{9364FBEA-53C7-47A1-0F51-C050B4373C25}"/>
-              </a:ext>
-            </a:extLst>
-          </p:cNvPr>
-          <p:cNvSpPr/>
+          <p:cNvSpPr txBox="1"/>
           <p:nvPr/>
         </p:nvSpPr>
         <p:spPr>
           <a:xfrm>
-            <a:off x="6925733" y="2160589"/>
-            <a:ext cx="1811867" cy="829734"/>
+            <a:off x="685167" y="2160589"/>
+            <a:ext cx="3720916" cy="3560733"/>
           </a:xfrm>
           <a:prstGeom prst="rect">
             <a:avLst/>
           </a:prstGeom>
         </p:spPr>
-        <p:style>
-          <a:lnRef idx="2">
-            <a:schemeClr val="accent1">
-              <a:shade val="15000"/>
-            </a:schemeClr>
-          </a:lnRef>
-          <a:fillRef idx="1">
-            <a:schemeClr val="accent1"/>
-          </a:fillRef>
-          <a:effectRef idx="0">
-            <a:schemeClr val="accent1"/>
-          </a:effectRef>
-          <a:fontRef idx="minor">
-            <a:schemeClr val="lt1"/>
-          </a:fontRef>
-        </p:style>
-        <p:txBody>
-          <a:bodyPr rtlCol="0" anchor="ctr"/>
+        <p:txBody>
+          <a:bodyPr vert="horz" lIns="91440" tIns="45720" rIns="91440" bIns="45720" rtlCol="0">
+            <a:normAutofit/>
+          </a:bodyPr>
           <a:lstStyle/>
           <a:p>
-            <a:pPr algn="ctr"/>
-            <a:r>
-              <a:rPr lang="en-US" dirty="0"/>
-              <a:t>Create</a:t>
-            </a:r>
-          </a:p>
-        </p:txBody>
-      </p:sp>
-      <p:sp>
-        <p:nvSpPr>
-          <p:cNvPr id="5" name="Rectangle 4">
+            <a:pPr marL="285750" indent="-285750">
+              <a:lnSpc>
+                <a:spcPct val="90000"/>
+              </a:lnSpc>
+              <a:spcBef>
+                <a:spcPts val="1000"/>
+              </a:spcBef>
+              <a:buClr>
+                <a:schemeClr val="accent1"/>
+              </a:buClr>
+              <a:buSzPct val="80000"/>
+              <a:buFont typeface="Wingdings 3" charset="2"/>
+              <a:buChar char=""/>
+            </a:pPr>
+            <a:r>
+              <a:rPr lang="en-US" sz="1500" dirty="0">
+                <a:solidFill>
+                  <a:schemeClr val="tx1">
+                    <a:lumMod val="75000"/>
+                    <a:lumOff val="25000"/>
+                  </a:schemeClr>
+                </a:solidFill>
+              </a:rPr>
+              <a:t>The purpose of the </a:t>
+            </a:r>
+            <a:r>
+              <a:rPr lang="en-US" sz="1500" dirty="0">
+                <a:solidFill>
+                  <a:schemeClr val="tx1">
+                    <a:lumMod val="75000"/>
+                    <a:lumOff val="25000"/>
+                  </a:schemeClr>
+                </a:solidFill>
+                <a:hlinkClick r:id="rId2" tooltip="sqlalchemy.future.Engine">
+                  <a:extLst>
+                    <a:ext uri="{A12FA001-AC4F-418D-AE19-62706E023703}">
+                      <ahyp:hlinkClr xmlns:ahyp="http://schemas.microsoft.com/office/drawing/2018/hyperlinkcolor" val="tx"/>
+                    </a:ext>
+                  </a:extLst>
+                </a:hlinkClick>
+              </a:rPr>
+              <a:t>Engine</a:t>
+            </a:r>
+            <a:r>
+              <a:rPr lang="en-US" sz="1500" dirty="0">
+                <a:solidFill>
+                  <a:schemeClr val="tx1">
+                    <a:lumMod val="75000"/>
+                    <a:lumOff val="25000"/>
+                  </a:schemeClr>
+                </a:solidFill>
+              </a:rPr>
+              <a:t> is to connect to the database by providing a </a:t>
+            </a:r>
+            <a:r>
+              <a:rPr lang="en-US" sz="1500" dirty="0">
+                <a:solidFill>
+                  <a:schemeClr val="tx1">
+                    <a:lumMod val="75000"/>
+                    <a:lumOff val="25000"/>
+                  </a:schemeClr>
+                </a:solidFill>
+                <a:hlinkClick r:id="rId3" tooltip="sqlalchemy.future.Connection">
+                  <a:extLst>
+                    <a:ext uri="{A12FA001-AC4F-418D-AE19-62706E023703}">
+                      <ahyp:hlinkClr xmlns:ahyp="http://schemas.microsoft.com/office/drawing/2018/hyperlinkcolor" val="tx"/>
+                    </a:ext>
+                  </a:extLst>
+                </a:hlinkClick>
+              </a:rPr>
+              <a:t>Connection</a:t>
+            </a:r>
+            <a:r>
+              <a:rPr lang="en-US" sz="1500" dirty="0">
+                <a:solidFill>
+                  <a:schemeClr val="tx1">
+                    <a:lumMod val="75000"/>
+                    <a:lumOff val="25000"/>
+                  </a:schemeClr>
+                </a:solidFill>
+              </a:rPr>
+              <a:t> object. When working with the Core directly, the </a:t>
+            </a:r>
+            <a:r>
+              <a:rPr lang="en-US" sz="1500" dirty="0">
+                <a:solidFill>
+                  <a:schemeClr val="tx1">
+                    <a:lumMod val="75000"/>
+                    <a:lumOff val="25000"/>
+                  </a:schemeClr>
+                </a:solidFill>
+                <a:hlinkClick r:id="rId3" tooltip="sqlalchemy.future.Connection">
+                  <a:extLst>
+                    <a:ext uri="{A12FA001-AC4F-418D-AE19-62706E023703}">
+                      <ahyp:hlinkClr xmlns:ahyp="http://schemas.microsoft.com/office/drawing/2018/hyperlinkcolor" val="tx"/>
+                    </a:ext>
+                  </a:extLst>
+                </a:hlinkClick>
+              </a:rPr>
+              <a:t>Connection</a:t>
+            </a:r>
+            <a:r>
+              <a:rPr lang="en-US" sz="1500" dirty="0">
+                <a:solidFill>
+                  <a:schemeClr val="tx1">
+                    <a:lumMod val="75000"/>
+                    <a:lumOff val="25000"/>
+                  </a:schemeClr>
+                </a:solidFill>
+              </a:rPr>
+              <a:t> object is how all interaction with the database is done. </a:t>
+            </a:r>
+          </a:p>
+          <a:p>
+            <a:pPr marL="285750" indent="-285750">
+              <a:lnSpc>
+                <a:spcPct val="90000"/>
+              </a:lnSpc>
+              <a:spcBef>
+                <a:spcPts val="1000"/>
+              </a:spcBef>
+              <a:buClr>
+                <a:schemeClr val="accent1"/>
+              </a:buClr>
+              <a:buSzPct val="80000"/>
+              <a:buFont typeface="Wingdings 3" charset="2"/>
+              <a:buChar char=""/>
+            </a:pPr>
+            <a:endParaRPr lang="en-US" sz="1500" dirty="0">
+              <a:solidFill>
+                <a:schemeClr val="tx1">
+                  <a:lumMod val="75000"/>
+                  <a:lumOff val="25000"/>
+                </a:schemeClr>
+              </a:solidFill>
+            </a:endParaRPr>
+          </a:p>
+          <a:p>
+            <a:pPr marL="285750" indent="-285750">
+              <a:lnSpc>
+                <a:spcPct val="90000"/>
+              </a:lnSpc>
+              <a:spcBef>
+                <a:spcPts val="1000"/>
+              </a:spcBef>
+              <a:buClr>
+                <a:schemeClr val="accent1"/>
+              </a:buClr>
+              <a:buSzPct val="80000"/>
+              <a:buFont typeface="Wingdings 3" charset="2"/>
+              <a:buChar char=""/>
+            </a:pPr>
+            <a:r>
+              <a:rPr lang="en-US" sz="1500" dirty="0">
+                <a:solidFill>
+                  <a:schemeClr val="tx1">
+                    <a:lumMod val="75000"/>
+                    <a:lumOff val="25000"/>
+                  </a:schemeClr>
+                </a:solidFill>
+              </a:rPr>
+              <a:t>Because the </a:t>
+            </a:r>
+            <a:r>
+              <a:rPr lang="en-US" sz="1500" dirty="0">
+                <a:solidFill>
+                  <a:schemeClr val="tx1">
+                    <a:lumMod val="75000"/>
+                    <a:lumOff val="25000"/>
+                  </a:schemeClr>
+                </a:solidFill>
+                <a:hlinkClick r:id="rId3" tooltip="sqlalchemy.future.Connection">
+                  <a:extLst>
+                    <a:ext uri="{A12FA001-AC4F-418D-AE19-62706E023703}">
+                      <ahyp:hlinkClr xmlns:ahyp="http://schemas.microsoft.com/office/drawing/2018/hyperlinkcolor" val="tx"/>
+                    </a:ext>
+                  </a:extLst>
+                </a:hlinkClick>
+              </a:rPr>
+              <a:t>Connection</a:t>
+            </a:r>
+            <a:r>
+              <a:rPr lang="en-US" sz="1500" dirty="0">
+                <a:solidFill>
+                  <a:schemeClr val="tx1">
+                    <a:lumMod val="75000"/>
+                    <a:lumOff val="25000"/>
+                  </a:schemeClr>
+                </a:solidFill>
+              </a:rPr>
+              <a:t> creates an open resource against the database, we want to limit our use of this object to a specific context. The best way to do that is with a Python context manager, also known as </a:t>
+            </a:r>
+            <a:r>
+              <a:rPr lang="en-US" sz="1500" dirty="0">
+                <a:solidFill>
+                  <a:schemeClr val="tx1">
+                    <a:lumMod val="75000"/>
+                    <a:lumOff val="25000"/>
+                  </a:schemeClr>
+                </a:solidFill>
+                <a:hlinkClick r:id="rId4">
+                  <a:extLst>
+                    <a:ext uri="{A12FA001-AC4F-418D-AE19-62706E023703}">
+                      <ahyp:hlinkClr xmlns:ahyp="http://schemas.microsoft.com/office/drawing/2018/hyperlinkcolor" val="tx"/>
+                    </a:ext>
+                  </a:extLst>
+                </a:hlinkClick>
+              </a:rPr>
+              <a:t>the with statement</a:t>
+            </a:r>
+            <a:r>
+              <a:rPr lang="en-US" sz="1500" dirty="0">
+                <a:solidFill>
+                  <a:schemeClr val="tx1">
+                    <a:lumMod val="75000"/>
+                    <a:lumOff val="25000"/>
+                  </a:schemeClr>
+                </a:solidFill>
+              </a:rPr>
+              <a:t>. </a:t>
+            </a:r>
+          </a:p>
+        </p:txBody>
+      </p:sp>
+      <p:pic>
+        <p:nvPicPr>
+          <p:cNvPr id="11" name="Picture 10">
             <a:extLst>
               <a:ext uri="{FF2B5EF4-FFF2-40B4-BE49-F238E27FC236}">
-                <a16:creationId xmlns:a16="http://schemas.microsoft.com/office/drawing/2014/main" id="{367E72B0-95CE-1CD0-1FEA-4DECF8CF957C}"/>
+                <a16:creationId xmlns:a16="http://schemas.microsoft.com/office/drawing/2014/main" id="{5A1EE2AC-5DB2-5382-FD15-B9B9F2F9554B}"/>
               </a:ext>
             </a:extLst>
           </p:cNvPr>
-          <p:cNvSpPr/>
+          <p:cNvPicPr>
+            <a:picLocks noChangeAspect="1"/>
+          </p:cNvPicPr>
           <p:nvPr/>
-        </p:nvSpPr>
+        </p:nvPicPr>
+        <p:blipFill>
+          <a:blip r:embed="rId5"/>
+          <a:stretch>
+            <a:fillRect/>
+          </a:stretch>
+        </p:blipFill>
         <p:spPr>
           <a:xfrm>
-            <a:off x="6925733" y="4100975"/>
-            <a:ext cx="1811867" cy="829734"/>
+            <a:off x="4654035" y="2000571"/>
+            <a:ext cx="4602747" cy="2352326"/>
           </a:xfrm>
           <a:prstGeom prst="rect">
             <a:avLst/>
           </a:prstGeom>
+          <a:ln>
+            <a:noFill/>
+          </a:ln>
+          <a:effectLst>
+            <a:outerShdw blurRad="292100" dist="139700" dir="2700000" algn="tl" rotWithShape="0">
+              <a:srgbClr val="333333">
+                <a:alpha val="65000"/>
+              </a:srgbClr>
+            </a:outerShdw>
+          </a:effectLst>
         </p:spPr>
-        <p:style>
-          <a:lnRef idx="2">
-            <a:schemeClr val="accent1">
-              <a:shade val="15000"/>
-            </a:schemeClr>
-          </a:lnRef>
-          <a:fillRef idx="1">
-            <a:schemeClr val="accent1"/>
-          </a:fillRef>
-          <a:effectRef idx="0">
-            <a:schemeClr val="accent1"/>
-          </a:effectRef>
-          <a:fontRef idx="minor">
-            <a:schemeClr val="lt1"/>
-          </a:fontRef>
-        </p:style>
-        <p:txBody>
-          <a:bodyPr rtlCol="0" anchor="ctr"/>
-          <a:lstStyle/>
-          <a:p>
-            <a:pPr algn="ctr"/>
-            <a:r>
-              <a:rPr lang="en-US" dirty="0"/>
-              <a:t>Post</a:t>
-            </a:r>
-          </a:p>
-        </p:txBody>
-      </p:sp>
-      <p:cxnSp>
-        <p:nvCxnSpPr>
-          <p:cNvPr id="7" name="Straight Arrow Connector 6">
-            <a:extLst>
-              <a:ext uri="{FF2B5EF4-FFF2-40B4-BE49-F238E27FC236}">
-                <a16:creationId xmlns:a16="http://schemas.microsoft.com/office/drawing/2014/main" id="{96715757-94AD-6209-8204-7886DE11FBFA}"/>
-              </a:ext>
-            </a:extLst>
-          </p:cNvPr>
-          <p:cNvCxnSpPr>
-            <a:cxnSpLocks/>
-          </p:cNvCxnSpPr>
-          <p:nvPr/>
-        </p:nvCxnSpPr>
-        <p:spPr>
-          <a:xfrm>
-            <a:off x="7831666" y="2990323"/>
-            <a:ext cx="0" cy="968308"/>
-          </a:xfrm>
-          <a:prstGeom prst="straightConnector1">
-            <a:avLst/>
-          </a:prstGeom>
-          <a:ln>
-            <a:tailEnd type="triangle"/>
-          </a:ln>
-        </p:spPr>
-        <p:style>
-          <a:lnRef idx="1">
-            <a:schemeClr val="accent1"/>
-          </a:lnRef>
-          <a:fillRef idx="0">
-            <a:schemeClr val="accent1"/>
-          </a:fillRef>
-          <a:effectRef idx="0">
-            <a:schemeClr val="accent1"/>
-          </a:effectRef>
-          <a:fontRef idx="minor">
-            <a:schemeClr val="tx1"/>
-          </a:fontRef>
-        </p:style>
-      </p:cxnSp>
+      </p:pic>
     </p:spTree>
     <p:extLst>
       <p:ext uri="{BB962C8B-B14F-4D97-AF65-F5344CB8AC3E}">
@@ -11880,14 +11841,19 @@
             <p:ph type="title"/>
           </p:nvPr>
         </p:nvSpPr>
-        <p:spPr/>
+        <p:spPr>
+          <a:xfrm>
+            <a:off x="677334" y="609600"/>
+            <a:ext cx="8596668" cy="816864"/>
+          </a:xfrm>
+        </p:spPr>
         <p:txBody>
           <a:bodyPr/>
           <a:lstStyle/>
           <a:p>
             <a:r>
               <a:rPr lang="en-US" dirty="0"/>
-              <a:t>HTTP PUT Request Method</a:t>
+              <a:t>Working with SQL DB API </a:t>
             </a:r>
           </a:p>
         </p:txBody>
@@ -11908,41 +11874,143 @@
             <p:ph idx="1"/>
           </p:nvPr>
         </p:nvSpPr>
-        <p:spPr/>
-        <p:txBody>
-          <a:bodyPr/>
+        <p:spPr>
+          <a:xfrm>
+            <a:off x="677334" y="2160589"/>
+            <a:ext cx="9728538" cy="3880773"/>
+          </a:xfrm>
+        </p:spPr>
+        <p:txBody>
+          <a:bodyPr>
+            <a:normAutofit/>
+          </a:bodyPr>
           <a:lstStyle/>
           <a:p>
             <a:r>
-              <a:rPr lang="en-US" dirty="0"/>
-              <a:t>Used to update data </a:t>
-            </a:r>
-          </a:p>
-          <a:p>
-            <a:endParaRPr lang="en-US" dirty="0"/>
-          </a:p>
-          <a:p>
-            <a:r>
-              <a:rPr lang="en-US" dirty="0"/>
-              <a:t>PUT has a body which can have additional information like POST which GET can’t have </a:t>
-            </a:r>
-          </a:p>
-          <a:p>
-            <a:endParaRPr lang="en-US" dirty="0"/>
-          </a:p>
-          <a:p>
-            <a:r>
-              <a:rPr lang="en-US" dirty="0"/>
-              <a:t>Example Structure: </a:t>
-            </a:r>
-          </a:p>
-          <a:p>
-            <a:endParaRPr lang="en-US" dirty="0"/>
-          </a:p>
-          <a:p>
-            <a:r>
-              <a:rPr lang="en-US" dirty="0"/>
-              <a:t>{“title”: “Title Six”, “author”: “Author Two”, “category”:</a:t>
+              <a:rPr lang="en-US" dirty="0">
+                <a:hlinkClick r:id="rId2">
+                  <a:extLst>
+                    <a:ext uri="{A12FA001-AC4F-418D-AE19-62706E023703}">
+                      <ahyp:hlinkClr xmlns:ahyp="http://schemas.microsoft.com/office/drawing/2018/hyperlinkcolor" val="tx"/>
+                    </a:ext>
+                  </a:extLst>
+                </a:hlinkClick>
+              </a:rPr>
+              <a:t>Inserting Rows with Core</a:t>
+            </a:r>
+            <a:r>
+              <a:rPr lang="en-US" dirty="0"/>
+              <a:t> - to get some data into the database.</a:t>
+            </a:r>
+          </a:p>
+          <a:p>
+            <a:r>
+              <a:rPr lang="en-US" dirty="0"/>
+              <a:t>INSERTs from an ORM perspective are described in the next section </a:t>
+            </a:r>
+            <a:r>
+              <a:rPr lang="en-US" dirty="0">
+                <a:hlinkClick r:id="rId3">
+                  <a:extLst>
+                    <a:ext uri="{A12FA001-AC4F-418D-AE19-62706E023703}">
+                      <ahyp:hlinkClr xmlns:ahyp="http://schemas.microsoft.com/office/drawing/2018/hyperlinkcolor" val="tx"/>
+                    </a:ext>
+                  </a:extLst>
+                </a:hlinkClick>
+              </a:rPr>
+              <a:t>Data Manipulation with the ORM</a:t>
+            </a:r>
+            <a:r>
+              <a:rPr lang="en-US" dirty="0"/>
+              <a:t>.</a:t>
+            </a:r>
+          </a:p>
+          <a:p>
+            <a:r>
+              <a:rPr lang="en-US" dirty="0">
+                <a:hlinkClick r:id="rId4">
+                  <a:extLst>
+                    <a:ext uri="{A12FA001-AC4F-418D-AE19-62706E023703}">
+                      <ahyp:hlinkClr xmlns:ahyp="http://schemas.microsoft.com/office/drawing/2018/hyperlinkcolor" val="tx"/>
+                    </a:ext>
+                  </a:extLst>
+                </a:hlinkClick>
+              </a:rPr>
+              <a:t>Selecting Rows with Core or ORM</a:t>
+            </a:r>
+            <a:r>
+              <a:rPr lang="en-US" dirty="0"/>
+              <a:t> - The </a:t>
+            </a:r>
+            <a:r>
+              <a:rPr lang="en-US" dirty="0">
+                <a:hlinkClick r:id="rId5" tooltip="sqlalchemy.sql.expression.update">
+                  <a:extLst>
+                    <a:ext uri="{A12FA001-AC4F-418D-AE19-62706E023703}">
+                      <ahyp:hlinkClr xmlns:ahyp="http://schemas.microsoft.com/office/drawing/2018/hyperlinkcolor" val="tx"/>
+                    </a:ext>
+                  </a:extLst>
+                </a:hlinkClick>
+              </a:rPr>
+              <a:t>update()</a:t>
+            </a:r>
+            <a:r>
+              <a:rPr lang="en-US" dirty="0"/>
+              <a:t> function generates a new instance of </a:t>
+            </a:r>
+            <a:r>
+              <a:rPr lang="en-US" dirty="0">
+                <a:hlinkClick r:id="rId6" tooltip="sqlalchemy.sql.expression.Update">
+                  <a:extLst>
+                    <a:ext uri="{A12FA001-AC4F-418D-AE19-62706E023703}">
+                      <ahyp:hlinkClr xmlns:ahyp="http://schemas.microsoft.com/office/drawing/2018/hyperlinkcolor" val="tx"/>
+                    </a:ext>
+                  </a:extLst>
+                </a:hlinkClick>
+              </a:rPr>
+              <a:t>Update</a:t>
+            </a:r>
+            <a:r>
+              <a:rPr lang="en-US" dirty="0"/>
+              <a:t> which represents an UPDATE statement in SQL, that will update existing data in a table.</a:t>
+            </a:r>
+          </a:p>
+          <a:p>
+            <a:r>
+              <a:rPr lang="en-US" dirty="0"/>
+              <a:t>Like the </a:t>
+            </a:r>
+            <a:r>
+              <a:rPr lang="en-US" dirty="0">
+                <a:hlinkClick r:id="rId7" tooltip="sqlalchemy.sql.expression.insert">
+                  <a:extLst>
+                    <a:ext uri="{A12FA001-AC4F-418D-AE19-62706E023703}">
+                      <ahyp:hlinkClr xmlns:ahyp="http://schemas.microsoft.com/office/drawing/2018/hyperlinkcolor" val="tx"/>
+                    </a:ext>
+                  </a:extLst>
+                </a:hlinkClick>
+              </a:rPr>
+              <a:t>insert()</a:t>
+            </a:r>
+            <a:r>
+              <a:rPr lang="en-US" dirty="0"/>
+              <a:t> construct, there is a “traditional” form of </a:t>
+            </a:r>
+            <a:r>
+              <a:rPr lang="en-US" dirty="0">
+                <a:hlinkClick r:id="rId5" tooltip="sqlalchemy.sql.expression.update">
+                  <a:extLst>
+                    <a:ext uri="{A12FA001-AC4F-418D-AE19-62706E023703}">
+                      <ahyp:hlinkClr xmlns:ahyp="http://schemas.microsoft.com/office/drawing/2018/hyperlinkcolor" val="tx"/>
+                    </a:ext>
+                  </a:extLst>
+                </a:hlinkClick>
+              </a:rPr>
+              <a:t>update()</a:t>
+            </a:r>
+            <a:r>
+              <a:rPr lang="en-US" dirty="0"/>
+              <a:t>, which emits UPDATE against a single table at a time and does not return any rows. However, some backends support an UPDATE statement that may modify multiple tables at once, and the UPDATE statement also supports RETURNING such that columns contained in matched rows may be returned in the result set.</a:t>
             </a:r>
           </a:p>
           <a:p>
@@ -11996,242 +12064,177 @@
             <p:ph type="title"/>
           </p:nvPr>
         </p:nvSpPr>
-        <p:spPr/>
+        <p:spPr>
+          <a:xfrm>
+            <a:off x="677334" y="609600"/>
+            <a:ext cx="8596668" cy="798576"/>
+          </a:xfrm>
+        </p:spPr>
         <p:txBody>
           <a:bodyPr/>
           <a:lstStyle/>
           <a:p>
             <a:r>
               <a:rPr lang="en-US" dirty="0"/>
-              <a:t>PUT Request Method</a:t>
-            </a:r>
-          </a:p>
-        </p:txBody>
-      </p:sp>
-      <p:sp>
-        <p:nvSpPr>
-          <p:cNvPr id="3" name="Content Placeholder 2">
+              <a:t>CRUD Operations with SQL API</a:t>
+            </a:r>
+          </a:p>
+        </p:txBody>
+      </p:sp>
+      <p:sp>
+        <p:nvSpPr>
+          <p:cNvPr id="11" name="TextBox 10">
             <a:extLst>
               <a:ext uri="{FF2B5EF4-FFF2-40B4-BE49-F238E27FC236}">
-                <a16:creationId xmlns:a16="http://schemas.microsoft.com/office/drawing/2014/main" id="{194C1C42-CEE3-B419-890C-D72FE50FDE21}"/>
+                <a16:creationId xmlns:a16="http://schemas.microsoft.com/office/drawing/2014/main" id="{91EEB1E7-FA6F-894D-05BA-2ED17170D4D0}"/>
               </a:ext>
             </a:extLst>
           </p:cNvPr>
-          <p:cNvSpPr>
-            <a:spLocks noGrp="1"/>
-          </p:cNvSpPr>
-          <p:nvPr>
-            <p:ph idx="1"/>
-          </p:nvPr>
-        </p:nvSpPr>
-        <p:spPr/>
-        <p:txBody>
-          <a:bodyPr/>
-          <a:lstStyle/>
-          <a:p>
-            <a:r>
-              <a:rPr lang="en-US" dirty="0"/>
-              <a:t>Request: </a:t>
-            </a:r>
-          </a:p>
-          <a:p>
-            <a:r>
-              <a:rPr lang="en-US" dirty="0"/>
-              <a:t>URL: 127.0.0.1:8000/books/</a:t>
-            </a:r>
-            <a:r>
-              <a:rPr lang="en-US" dirty="0" err="1"/>
-              <a:t>update_book</a:t>
-            </a:r>
-            <a:endParaRPr lang="en-US" dirty="0"/>
-          </a:p>
-          <a:p>
-            <a:endParaRPr lang="en-US" dirty="0"/>
-          </a:p>
-          <a:p>
-            <a:endParaRPr lang="en-US" dirty="0"/>
-          </a:p>
-        </p:txBody>
-      </p:sp>
-      <p:pic>
-        <p:nvPicPr>
-          <p:cNvPr id="5" name="Picture 4">
-            <a:extLst>
-              <a:ext uri="{FF2B5EF4-FFF2-40B4-BE49-F238E27FC236}">
-                <a16:creationId xmlns:a16="http://schemas.microsoft.com/office/drawing/2014/main" id="{B5EF4AFD-6EEC-CA42-1366-2D4E4495A143}"/>
-              </a:ext>
-            </a:extLst>
-          </p:cNvPr>
-          <p:cNvPicPr>
-            <a:picLocks noChangeAspect="1"/>
-          </p:cNvPicPr>
+          <p:cNvSpPr txBox="1"/>
           <p:nvPr/>
-        </p:nvPicPr>
-        <p:blipFill>
-          <a:blip r:embed="rId2"/>
-          <a:stretch>
-            <a:fillRect/>
-          </a:stretch>
-        </p:blipFill>
+        </p:nvSpPr>
         <p:spPr>
           <a:xfrm>
-            <a:off x="1150322" y="3915832"/>
-            <a:ext cx="9297242" cy="1824567"/>
+            <a:off x="731520" y="2249424"/>
+            <a:ext cx="9454896" cy="3693319"/>
           </a:xfrm>
           <a:prstGeom prst="rect">
             <a:avLst/>
           </a:prstGeom>
-          <a:ln>
-            <a:noFill/>
-          </a:ln>
-          <a:effectLst>
-            <a:outerShdw blurRad="292100" dist="139700" dir="2700000" algn="tl" rotWithShape="0">
-              <a:srgbClr val="333333">
-                <a:alpha val="65000"/>
-              </a:srgbClr>
-            </a:outerShdw>
-          </a:effectLst>
+          <a:noFill/>
         </p:spPr>
-      </p:pic>
-      <p:sp>
-        <p:nvSpPr>
-          <p:cNvPr id="6" name="Rectangle 5">
-            <a:extLst>
-              <a:ext uri="{FF2B5EF4-FFF2-40B4-BE49-F238E27FC236}">
-                <a16:creationId xmlns:a16="http://schemas.microsoft.com/office/drawing/2014/main" id="{6ED6A3AF-DAA9-36B7-904A-80CF04D0F594}"/>
-              </a:ext>
-            </a:extLst>
-          </p:cNvPr>
-          <p:cNvSpPr/>
-          <p:nvPr/>
-        </p:nvSpPr>
-        <p:spPr>
-          <a:xfrm>
-            <a:off x="8128000" y="1029892"/>
-            <a:ext cx="1811867" cy="829734"/>
-          </a:xfrm>
-          <a:prstGeom prst="rect">
-            <a:avLst/>
-          </a:prstGeom>
-        </p:spPr>
-        <p:style>
-          <a:lnRef idx="2">
-            <a:schemeClr val="accent1">
-              <a:shade val="15000"/>
-            </a:schemeClr>
-          </a:lnRef>
-          <a:fillRef idx="1">
-            <a:schemeClr val="accent1"/>
-          </a:fillRef>
-          <a:effectRef idx="0">
-            <a:schemeClr val="accent1"/>
-          </a:effectRef>
-          <a:fontRef idx="minor">
-            <a:schemeClr val="lt1"/>
-          </a:fontRef>
-        </p:style>
-        <p:txBody>
-          <a:bodyPr rtlCol="0" anchor="ctr"/>
+        <p:txBody>
+          <a:bodyPr wrap="square" rtlCol="0">
+            <a:spAutoFit/>
+          </a:bodyPr>
           <a:lstStyle/>
           <a:p>
-            <a:pPr algn="ctr"/>
-            <a:r>
-              <a:rPr lang="en-US" dirty="0"/>
-              <a:t>Update</a:t>
-            </a:r>
-          </a:p>
-        </p:txBody>
-      </p:sp>
-      <p:sp>
-        <p:nvSpPr>
-          <p:cNvPr id="7" name="Rectangle 6">
-            <a:extLst>
-              <a:ext uri="{FF2B5EF4-FFF2-40B4-BE49-F238E27FC236}">
-                <a16:creationId xmlns:a16="http://schemas.microsoft.com/office/drawing/2014/main" id="{FA54309E-3C89-8551-6E1C-1DA1E3388009}"/>
-              </a:ext>
-            </a:extLst>
-          </p:cNvPr>
-          <p:cNvSpPr/>
-          <p:nvPr/>
-        </p:nvSpPr>
-        <p:spPr>
-          <a:xfrm>
-            <a:off x="8128000" y="2599266"/>
-            <a:ext cx="1811867" cy="829734"/>
-          </a:xfrm>
-          <a:prstGeom prst="rect">
-            <a:avLst/>
-          </a:prstGeom>
-        </p:spPr>
-        <p:style>
-          <a:lnRef idx="2">
-            <a:schemeClr val="accent1">
-              <a:shade val="15000"/>
-            </a:schemeClr>
-          </a:lnRef>
-          <a:fillRef idx="1">
-            <a:schemeClr val="accent1"/>
-          </a:fillRef>
-          <a:effectRef idx="0">
-            <a:schemeClr val="accent1"/>
-          </a:effectRef>
-          <a:fontRef idx="minor">
-            <a:schemeClr val="lt1"/>
-          </a:fontRef>
-        </p:style>
-        <p:txBody>
-          <a:bodyPr rtlCol="0" anchor="ctr"/>
-          <a:lstStyle/>
-          <a:p>
-            <a:pPr algn="ctr"/>
-            <a:r>
-              <a:rPr lang="en-US" dirty="0"/>
-              <a:t>Put</a:t>
-            </a:r>
-          </a:p>
-        </p:txBody>
-      </p:sp>
-      <p:cxnSp>
-        <p:nvCxnSpPr>
-          <p:cNvPr id="9" name="Straight Arrow Connector 8">
-            <a:extLst>
-              <a:ext uri="{FF2B5EF4-FFF2-40B4-BE49-F238E27FC236}">
-                <a16:creationId xmlns:a16="http://schemas.microsoft.com/office/drawing/2014/main" id="{E2993D22-D5FD-A18D-84DE-C7AF44AE9DC0}"/>
-              </a:ext>
-            </a:extLst>
-          </p:cNvPr>
-          <p:cNvCxnSpPr>
-            <a:endCxn id="7" idx="0"/>
-          </p:cNvCxnSpPr>
-          <p:nvPr/>
-        </p:nvCxnSpPr>
-        <p:spPr>
-          <a:xfrm>
-            <a:off x="9033933" y="1930400"/>
-            <a:ext cx="1" cy="668866"/>
-          </a:xfrm>
-          <a:prstGeom prst="straightConnector1">
-            <a:avLst/>
-          </a:prstGeom>
-          <a:ln>
-            <a:tailEnd type="triangle"/>
-          </a:ln>
-        </p:spPr>
-        <p:style>
-          <a:lnRef idx="1">
-            <a:schemeClr val="accent1"/>
-          </a:lnRef>
-          <a:fillRef idx="0">
-            <a:schemeClr val="accent1"/>
-          </a:fillRef>
-          <a:effectRef idx="0">
-            <a:schemeClr val="accent1"/>
-          </a:effectRef>
-          <a:fontRef idx="minor">
-            <a:schemeClr val="tx1"/>
-          </a:fontRef>
-        </p:style>
-      </p:cxnSp>
+            <a:pPr marL="285750" indent="-285750">
+              <a:buFont typeface="Arial" panose="020B0604020202020204" pitchFamily="34" charset="0"/>
+              <a:buChar char="•"/>
+            </a:pPr>
+            <a:r>
+              <a:rPr lang="en-US" dirty="0"/>
+              <a:t>If we just create the tables and the data as we have been doing, when we SELECT some data using WHERE, the database will have to </a:t>
+            </a:r>
+            <a:r>
+              <a:rPr lang="en-US" b="1" dirty="0"/>
+              <a:t>scan</a:t>
+            </a:r>
+            <a:r>
+              <a:rPr lang="en-US" dirty="0"/>
+              <a:t> through </a:t>
+            </a:r>
+            <a:r>
+              <a:rPr lang="en-US" b="1" dirty="0"/>
+              <a:t>each one of the records</a:t>
+            </a:r>
+            <a:r>
+              <a:rPr lang="en-US" dirty="0"/>
+              <a:t> to find the ones that </a:t>
+            </a:r>
+            <a:r>
+              <a:rPr lang="en-US" b="1" dirty="0"/>
+              <a:t>match</a:t>
+            </a:r>
+            <a:r>
+              <a:rPr lang="en-US" dirty="0"/>
+              <a:t>.</a:t>
+            </a:r>
+          </a:p>
+          <a:p>
+            <a:pPr marL="285750" indent="-285750">
+              <a:buFont typeface="Arial" panose="020B0604020202020204" pitchFamily="34" charset="0"/>
+              <a:buChar char="•"/>
+            </a:pPr>
+            <a:endParaRPr lang="en-US" dirty="0"/>
+          </a:p>
+          <a:p>
+            <a:pPr marL="285750" indent="-285750">
+              <a:buFont typeface="Arial" panose="020B0604020202020204" pitchFamily="34" charset="0"/>
+              <a:buChar char="•"/>
+            </a:pPr>
+            <a:endParaRPr lang="en-US" dirty="0"/>
+          </a:p>
+          <a:p>
+            <a:pPr marL="285750" indent="-285750">
+              <a:buFont typeface="Arial" panose="020B0604020202020204" pitchFamily="34" charset="0"/>
+              <a:buChar char="•"/>
+            </a:pPr>
+            <a:r>
+              <a:rPr lang="en-US" dirty="0"/>
+              <a:t>The </a:t>
+            </a:r>
+            <a:r>
+              <a:rPr lang="en-US" b="1" dirty="0"/>
+              <a:t>engine</a:t>
+            </a:r>
+            <a:r>
+              <a:rPr lang="en-US" dirty="0"/>
+              <a:t> is that single object that we share with all the code, and that is in charge of communicating with the database, handling the connections (when using a server database like PostgreSQL or MySQL), etc.</a:t>
+            </a:r>
+          </a:p>
+          <a:p>
+            <a:pPr marL="285750" indent="-285750">
+              <a:buFont typeface="Arial" panose="020B0604020202020204" pitchFamily="34" charset="0"/>
+              <a:buChar char="•"/>
+            </a:pPr>
+            <a:r>
+              <a:rPr lang="en-US" dirty="0"/>
+              <a:t>But when working with </a:t>
+            </a:r>
+            <a:r>
+              <a:rPr lang="en-US" b="1" dirty="0"/>
+              <a:t>SQLModel</a:t>
+            </a:r>
+            <a:r>
+              <a:rPr lang="en-US" dirty="0"/>
+              <a:t> you will mostly use another tool that sits on top, the </a:t>
+            </a:r>
+            <a:r>
+              <a:rPr lang="en-US" b="1" dirty="0"/>
+              <a:t>Session</a:t>
+            </a:r>
+            <a:r>
+              <a:rPr lang="en-US" dirty="0"/>
+              <a:t>.</a:t>
+            </a:r>
+          </a:p>
+          <a:p>
+            <a:pPr marL="285750" indent="-285750">
+              <a:buFont typeface="Arial" panose="020B0604020202020204" pitchFamily="34" charset="0"/>
+              <a:buChar char="•"/>
+            </a:pPr>
+            <a:r>
+              <a:rPr lang="en-US" dirty="0"/>
+              <a:t>In contrast to the </a:t>
+            </a:r>
+            <a:r>
+              <a:rPr lang="en-US" b="1" dirty="0"/>
+              <a:t>engine</a:t>
+            </a:r>
+            <a:r>
+              <a:rPr lang="en-US" dirty="0"/>
+              <a:t> that is one for the whole application, we create a new </a:t>
+            </a:r>
+            <a:r>
+              <a:rPr lang="en-US" b="1" dirty="0"/>
+              <a:t>session</a:t>
+            </a:r>
+            <a:r>
+              <a:rPr lang="en-US" dirty="0"/>
+              <a:t> for each group of operations with the database that belong together.</a:t>
+            </a:r>
+          </a:p>
+          <a:p>
+            <a:pPr marL="285750" indent="-285750">
+              <a:buFont typeface="Arial" panose="020B0604020202020204" pitchFamily="34" charset="0"/>
+              <a:buChar char="•"/>
+            </a:pPr>
+            <a:endParaRPr lang="en-US" dirty="0"/>
+          </a:p>
+        </p:txBody>
+      </p:sp>
     </p:spTree>
     <p:extLst>
       <p:ext uri="{BB962C8B-B14F-4D97-AF65-F5344CB8AC3E}">
@@ -12285,7 +12288,7 @@
           <a:p>
             <a:r>
               <a:rPr lang="en-US" dirty="0"/>
-              <a:t>Delete HTTP Request Method</a:t>
+              <a:t>Indexing – SQL Query Optimization</a:t>
             </a:r>
           </a:p>
         </p:txBody>
@@ -12313,227 +12316,104 @@
           <a:p>
             <a:r>
               <a:rPr lang="en-US" dirty="0"/>
-              <a:t>Used to delete data </a:t>
-            </a:r>
-          </a:p>
-          <a:p>
+              <a:t>If we just create the tables and the data as we have been doing, when we SELECT some data using WHERE, the database would have to </a:t>
+            </a:r>
+            <a:r>
+              <a:rPr lang="en-US" b="1" dirty="0"/>
+              <a:t>scan</a:t>
+            </a:r>
+            <a:r>
+              <a:rPr lang="en-US" dirty="0"/>
+              <a:t> through </a:t>
+            </a:r>
+            <a:r>
+              <a:rPr lang="en-US" b="1" dirty="0"/>
+              <a:t>each one of the records</a:t>
+            </a:r>
+            <a:r>
+              <a:rPr lang="en-US" dirty="0"/>
+              <a:t> to find the ones that </a:t>
+            </a:r>
+            <a:r>
+              <a:rPr lang="en-US" b="1" dirty="0"/>
+              <a:t>match</a:t>
+            </a:r>
+            <a:r>
+              <a:rPr lang="en-US" dirty="0"/>
+              <a:t>. This is not a problem with 3 heroes as in these examples.</a:t>
+            </a:r>
+          </a:p>
+          <a:p>
+            <a:r>
+              <a:rPr lang="en-US" dirty="0"/>
+              <a:t>But imagine that your database has </a:t>
+            </a:r>
+            <a:r>
+              <a:rPr lang="en-US" b="1" dirty="0"/>
+              <a:t>thousands</a:t>
+            </a:r>
+            <a:r>
+              <a:rPr lang="en-US" dirty="0"/>
+              <a:t> or </a:t>
+            </a:r>
+            <a:r>
+              <a:rPr lang="en-US" b="1" dirty="0"/>
+              <a:t>millions</a:t>
+            </a:r>
+            <a:r>
+              <a:rPr lang="en-US" dirty="0"/>
+              <a:t> of </a:t>
+            </a:r>
+            <a:r>
+              <a:rPr lang="en-US" b="1" dirty="0"/>
+              <a:t>records</a:t>
+            </a:r>
+            <a:r>
+              <a:rPr lang="en-US" dirty="0"/>
+              <a:t>, if every time you want to find the heroes with the name "</a:t>
+            </a:r>
+            <a:r>
+              <a:rPr lang="en-US" dirty="0" err="1"/>
+              <a:t>Deadpond</a:t>
+            </a:r>
+            <a:r>
+              <a:rPr lang="en-US" dirty="0"/>
+              <a:t>" it has to scan through </a:t>
+            </a:r>
+            <a:r>
+              <a:rPr lang="en-US" b="1" dirty="0"/>
+              <a:t>all</a:t>
+            </a:r>
+            <a:r>
+              <a:rPr lang="en-US" dirty="0"/>
+              <a:t> of the records to find all the possible matches, then that becomes problematic, as it would be too slow</a:t>
+            </a:r>
+          </a:p>
+          <a:p>
+            <a:r>
+              <a:rPr lang="en-US"/>
+              <a:t>Database indexes store some info, some keys, in a way that makes it </a:t>
+            </a:r>
+            <a:r>
+              <a:rPr lang="en-US" b="1"/>
+              <a:t>easy and fast to find</a:t>
+            </a:r>
+            <a:r>
+              <a:rPr lang="en-US"/>
+              <a:t> (for example sorted), and then for each key they </a:t>
+            </a:r>
+            <a:r>
+              <a:rPr lang="en-US" b="1"/>
+              <a:t>point to some data somewhere else</a:t>
+            </a:r>
+            <a:r>
+              <a:rPr lang="en-US"/>
+              <a:t> in the database.</a:t>
+            </a:r>
             <a:endParaRPr lang="en-US" dirty="0"/>
           </a:p>
-          <a:p>
-            <a:r>
-              <a:rPr lang="en-US" dirty="0"/>
-              <a:t>Request: </a:t>
-            </a:r>
-          </a:p>
-          <a:p>
-            <a:r>
-              <a:rPr lang="en-US" dirty="0"/>
-              <a:t>URL: 127.0.0.1:8000/books/</a:t>
-            </a:r>
-            <a:r>
-              <a:rPr lang="en-US" dirty="0" err="1"/>
-              <a:t>delete_book</a:t>
-            </a:r>
-            <a:r>
-              <a:rPr lang="en-US" dirty="0"/>
-              <a:t>/{</a:t>
-            </a:r>
-            <a:r>
-              <a:rPr lang="en-US" dirty="0" err="1"/>
-              <a:t>book_title</a:t>
-            </a:r>
-            <a:r>
-              <a:rPr lang="en-US" dirty="0"/>
-              <a:t>}</a:t>
-            </a:r>
-          </a:p>
-          <a:p>
-            <a:endParaRPr lang="en-US" dirty="0"/>
-          </a:p>
-          <a:p>
-            <a:endParaRPr lang="en-US" dirty="0"/>
-          </a:p>
-        </p:txBody>
-      </p:sp>
-      <p:pic>
-        <p:nvPicPr>
-          <p:cNvPr id="5" name="Picture 4">
-            <a:extLst>
-              <a:ext uri="{FF2B5EF4-FFF2-40B4-BE49-F238E27FC236}">
-                <a16:creationId xmlns:a16="http://schemas.microsoft.com/office/drawing/2014/main" id="{DD765FB3-F653-DB4C-C70E-CA45C2B70141}"/>
-              </a:ext>
-            </a:extLst>
-          </p:cNvPr>
-          <p:cNvPicPr>
-            <a:picLocks noChangeAspect="1"/>
-          </p:cNvPicPr>
-          <p:nvPr/>
-        </p:nvPicPr>
-        <p:blipFill>
-          <a:blip r:embed="rId2"/>
-          <a:stretch>
-            <a:fillRect/>
-          </a:stretch>
-        </p:blipFill>
-        <p:spPr>
-          <a:xfrm>
-            <a:off x="1123420" y="4361787"/>
-            <a:ext cx="6135066" cy="1531013"/>
-          </a:xfrm>
-          <a:prstGeom prst="rect">
-            <a:avLst/>
-          </a:prstGeom>
-          <a:ln>
-            <a:noFill/>
-          </a:ln>
-          <a:effectLst>
-            <a:outerShdw blurRad="292100" dist="139700" dir="2700000" algn="tl" rotWithShape="0">
-              <a:srgbClr val="333333">
-                <a:alpha val="65000"/>
-              </a:srgbClr>
-            </a:outerShdw>
-          </a:effectLst>
-        </p:spPr>
-      </p:pic>
-      <p:sp>
-        <p:nvSpPr>
-          <p:cNvPr id="6" name="Rectangle 5">
-            <a:extLst>
-              <a:ext uri="{FF2B5EF4-FFF2-40B4-BE49-F238E27FC236}">
-                <a16:creationId xmlns:a16="http://schemas.microsoft.com/office/drawing/2014/main" id="{A7EE9867-B123-8979-A19A-2023F9AF5125}"/>
-              </a:ext>
-            </a:extLst>
-          </p:cNvPr>
-          <p:cNvSpPr/>
-          <p:nvPr/>
-        </p:nvSpPr>
-        <p:spPr>
-          <a:xfrm>
-            <a:off x="8128000" y="1029892"/>
-            <a:ext cx="1811867" cy="829734"/>
-          </a:xfrm>
-          <a:prstGeom prst="rect">
-            <a:avLst/>
-          </a:prstGeom>
-        </p:spPr>
-        <p:style>
-          <a:lnRef idx="2">
-            <a:schemeClr val="accent1">
-              <a:shade val="15000"/>
-            </a:schemeClr>
-          </a:lnRef>
-          <a:fillRef idx="1">
-            <a:schemeClr val="accent1"/>
-          </a:fillRef>
-          <a:effectRef idx="0">
-            <a:schemeClr val="accent1"/>
-          </a:effectRef>
-          <a:fontRef idx="minor">
-            <a:schemeClr val="lt1"/>
-          </a:fontRef>
-        </p:style>
-        <p:txBody>
-          <a:bodyPr rtlCol="0" anchor="ctr"/>
-          <a:lstStyle/>
-          <a:p>
-            <a:pPr algn="ctr"/>
-            <a:r>
-              <a:rPr lang="en-US" dirty="0"/>
-              <a:t>Delete</a:t>
-            </a:r>
-          </a:p>
-        </p:txBody>
-      </p:sp>
-      <p:sp>
-        <p:nvSpPr>
-          <p:cNvPr id="7" name="Rectangle 6">
-            <a:extLst>
-              <a:ext uri="{FF2B5EF4-FFF2-40B4-BE49-F238E27FC236}">
-                <a16:creationId xmlns:a16="http://schemas.microsoft.com/office/drawing/2014/main" id="{CB043585-D001-30E0-0CED-1C589DF9E107}"/>
-              </a:ext>
-            </a:extLst>
-          </p:cNvPr>
-          <p:cNvSpPr/>
-          <p:nvPr/>
-        </p:nvSpPr>
-        <p:spPr>
-          <a:xfrm>
-            <a:off x="8195734" y="2858692"/>
-            <a:ext cx="1811867" cy="829734"/>
-          </a:xfrm>
-          <a:prstGeom prst="rect">
-            <a:avLst/>
-          </a:prstGeom>
-        </p:spPr>
-        <p:style>
-          <a:lnRef idx="2">
-            <a:schemeClr val="accent1">
-              <a:shade val="15000"/>
-            </a:schemeClr>
-          </a:lnRef>
-          <a:fillRef idx="1">
-            <a:schemeClr val="accent1"/>
-          </a:fillRef>
-          <a:effectRef idx="0">
-            <a:schemeClr val="accent1"/>
-          </a:effectRef>
-          <a:fontRef idx="minor">
-            <a:schemeClr val="lt1"/>
-          </a:fontRef>
-        </p:style>
-        <p:txBody>
-          <a:bodyPr rtlCol="0" anchor="ctr"/>
-          <a:lstStyle/>
-          <a:p>
-            <a:pPr algn="ctr"/>
-            <a:r>
-              <a:rPr lang="en-US" dirty="0"/>
-              <a:t>Delete</a:t>
-            </a:r>
-          </a:p>
-        </p:txBody>
-      </p:sp>
-      <p:cxnSp>
-        <p:nvCxnSpPr>
-          <p:cNvPr id="9" name="Straight Arrow Connector 8">
-            <a:extLst>
-              <a:ext uri="{FF2B5EF4-FFF2-40B4-BE49-F238E27FC236}">
-                <a16:creationId xmlns:a16="http://schemas.microsoft.com/office/drawing/2014/main" id="{6994089F-61DE-260A-B6DE-5CAD0AA490D4}"/>
-              </a:ext>
-            </a:extLst>
-          </p:cNvPr>
-          <p:cNvCxnSpPr>
-            <a:stCxn id="6" idx="2"/>
-          </p:cNvCxnSpPr>
-          <p:nvPr/>
-        </p:nvCxnSpPr>
-        <p:spPr>
-          <a:xfrm flipH="1">
-            <a:off x="9033933" y="1859626"/>
-            <a:ext cx="1" cy="999066"/>
-          </a:xfrm>
-          <a:prstGeom prst="straightConnector1">
-            <a:avLst/>
-          </a:prstGeom>
-          <a:ln>
-            <a:tailEnd type="triangle"/>
-          </a:ln>
-        </p:spPr>
-        <p:style>
-          <a:lnRef idx="1">
-            <a:schemeClr val="accent1"/>
-          </a:lnRef>
-          <a:fillRef idx="0">
-            <a:schemeClr val="accent1"/>
-          </a:fillRef>
-          <a:effectRef idx="0">
-            <a:schemeClr val="accent1"/>
-          </a:effectRef>
-          <a:fontRef idx="minor">
-            <a:schemeClr val="tx1"/>
-          </a:fontRef>
-        </p:style>
-      </p:cxnSp>
+        </p:txBody>
+      </p:sp>
     </p:spTree>
     <p:extLst>
       <p:ext uri="{BB962C8B-B14F-4D97-AF65-F5344CB8AC3E}">
@@ -12759,15 +12639,7 @@
             </a:r>
             <a:r>
               <a:rPr lang="en-US" dirty="0"/>
-              <a:t>, </a:t>
-            </a:r>
-            <a:r>
-              <a:rPr lang="en-US" dirty="0" err="1"/>
-              <a:t>SQLModel</a:t>
-            </a:r>
-            <a:r>
-              <a:rPr lang="en-US" dirty="0"/>
-              <a:t> etc. </a:t>
+              <a:t>, SQLModel etc. </a:t>
             </a:r>
           </a:p>
           <a:p>

--- a/Slides/Day-2/FASTAPI Development using Python on Cloud-Day2.pptx
+++ b/Slides/Day-2/FASTAPI Development using Python on Cloud-Day2.pptx
@@ -3496,7 +3496,7 @@
           <a:p>
             <a:fld id="{FD1C4689-B28D-4D3C-8B05-9ABB967E2A3E}" type="datetime1">
               <a:rPr lang="en-US" smtClean="0"/>
-              <a:t>2/8/2026</a:t>
+              <a:t>2/9/2026</a:t>
             </a:fld>
             <a:endParaRPr lang="en-US" dirty="0"/>
           </a:p>
@@ -3753,7 +3753,7 @@
           <a:p>
             <a:fld id="{FD1C4689-B28D-4D3C-8B05-9ABB967E2A3E}" type="datetime1">
               <a:rPr lang="en-US" smtClean="0"/>
-              <a:t>2/8/2026</a:t>
+              <a:t>2/9/2026</a:t>
             </a:fld>
             <a:endParaRPr lang="en-US" dirty="0"/>
           </a:p>
@@ -4073,7 +4073,7 @@
           <a:p>
             <a:fld id="{FD1C4689-B28D-4D3C-8B05-9ABB967E2A3E}" type="datetime1">
               <a:rPr lang="en-US" smtClean="0"/>
-              <a:t>2/8/2026</a:t>
+              <a:t>2/9/2026</a:t>
             </a:fld>
             <a:endParaRPr lang="en-US" dirty="0"/>
           </a:p>
@@ -4412,7 +4412,7 @@
           <a:p>
             <a:fld id="{FD1C4689-B28D-4D3C-8B05-9ABB967E2A3E}" type="datetime1">
               <a:rPr lang="en-US" smtClean="0"/>
-              <a:t>2/8/2026</a:t>
+              <a:t>2/9/2026</a:t>
             </a:fld>
             <a:endParaRPr lang="en-US" dirty="0"/>
           </a:p>
@@ -4732,7 +4732,7 @@
           <a:p>
             <a:fld id="{FD1C4689-B28D-4D3C-8B05-9ABB967E2A3E}" type="datetime1">
               <a:rPr lang="en-US" smtClean="0"/>
-              <a:t>2/8/2026</a:t>
+              <a:t>2/9/2026</a:t>
             </a:fld>
             <a:endParaRPr lang="en-US" dirty="0"/>
           </a:p>
@@ -5131,7 +5131,7 @@
           <a:p>
             <a:fld id="{FD1C4689-B28D-4D3C-8B05-9ABB967E2A3E}" type="datetime1">
               <a:rPr lang="en-US" smtClean="0"/>
-              <a:t>2/8/2026</a:t>
+              <a:t>2/9/2026</a:t>
             </a:fld>
             <a:endParaRPr lang="en-US" dirty="0"/>
           </a:p>
@@ -5307,7 +5307,7 @@
           <a:p>
             <a:fld id="{FD1C4689-B28D-4D3C-8B05-9ABB967E2A3E}" type="datetime1">
               <a:rPr lang="en-US" smtClean="0"/>
-              <a:t>2/8/2026</a:t>
+              <a:t>2/9/2026</a:t>
             </a:fld>
             <a:endParaRPr lang="en-US" dirty="0"/>
           </a:p>
@@ -5493,7 +5493,7 @@
           <a:p>
             <a:fld id="{FD1C4689-B28D-4D3C-8B05-9ABB967E2A3E}" type="datetime1">
               <a:rPr lang="en-US" smtClean="0"/>
-              <a:t>2/8/2026</a:t>
+              <a:t>2/9/2026</a:t>
             </a:fld>
             <a:endParaRPr lang="en-US" dirty="0"/>
           </a:p>
@@ -5669,7 +5669,7 @@
           <a:p>
             <a:fld id="{FD1C4689-B28D-4D3C-8B05-9ABB967E2A3E}" type="datetime1">
               <a:rPr lang="en-US" smtClean="0"/>
-              <a:t>2/8/2026</a:t>
+              <a:t>2/9/2026</a:t>
             </a:fld>
             <a:endParaRPr lang="en-US" dirty="0"/>
           </a:p>
@@ -5922,7 +5922,7 @@
           <a:p>
             <a:fld id="{FD1C4689-B28D-4D3C-8B05-9ABB967E2A3E}" type="datetime1">
               <a:rPr lang="en-US" smtClean="0"/>
-              <a:t>2/8/2026</a:t>
+              <a:t>2/9/2026</a:t>
             </a:fld>
             <a:endParaRPr lang="en-US" dirty="0"/>
           </a:p>
@@ -6160,7 +6160,7 @@
           <a:p>
             <a:fld id="{FD1C4689-B28D-4D3C-8B05-9ABB967E2A3E}" type="datetime1">
               <a:rPr lang="en-US" smtClean="0"/>
-              <a:t>2/8/2026</a:t>
+              <a:t>2/9/2026</a:t>
             </a:fld>
             <a:endParaRPr lang="en-US" dirty="0"/>
           </a:p>
@@ -6540,7 +6540,7 @@
           <a:p>
             <a:fld id="{FD1C4689-B28D-4D3C-8B05-9ABB967E2A3E}" type="datetime1">
               <a:rPr lang="en-US" smtClean="0"/>
-              <a:t>2/8/2026</a:t>
+              <a:t>2/9/2026</a:t>
             </a:fld>
             <a:endParaRPr lang="en-US" dirty="0"/>
           </a:p>
@@ -6669,7 +6669,7 @@
           <a:p>
             <a:fld id="{7C72CE4D-D83F-44D4-ACB0-A88A6B9DB4F7}" type="datetime1">
               <a:rPr lang="en-US" smtClean="0"/>
-              <a:t>2/8/2026</a:t>
+              <a:t>2/9/2026</a:t>
             </a:fld>
             <a:endParaRPr lang="en-US"/>
           </a:p>
@@ -6767,7 +6767,7 @@
           <a:p>
             <a:fld id="{9A62F981-1EE1-49F5-B605-4EA23F0307AC}" type="datetime1">
               <a:rPr lang="en-US" smtClean="0"/>
-              <a:t>2/8/2026</a:t>
+              <a:t>2/9/2026</a:t>
             </a:fld>
             <a:endParaRPr lang="en-US"/>
           </a:p>
@@ -7025,7 +7025,7 @@
           <a:p>
             <a:fld id="{B0B6493B-A447-4205-AC2D-AE2DEDAE4E3B}" type="datetime1">
               <a:rPr lang="en-US" smtClean="0"/>
-              <a:t>2/8/2026</a:t>
+              <a:t>2/9/2026</a:t>
             </a:fld>
             <a:endParaRPr lang="en-US"/>
           </a:p>
@@ -7338,7 +7338,7 @@
           <a:p>
             <a:fld id="{FD1C4689-B28D-4D3C-8B05-9ABB967E2A3E}" type="datetime1">
               <a:rPr lang="en-US" smtClean="0"/>
-              <a:t>2/8/2026</a:t>
+              <a:t>2/9/2026</a:t>
             </a:fld>
             <a:endParaRPr lang="en-US" dirty="0"/>
           </a:p>
@@ -8097,7 +8097,7 @@
           <a:p>
             <a:fld id="{FD1C4689-B28D-4D3C-8B05-9ABB967E2A3E}" type="datetime1">
               <a:rPr lang="en-US" smtClean="0"/>
-              <a:t>2/8/2026</a:t>
+              <a:t>2/9/2026</a:t>
             </a:fld>
             <a:endParaRPr lang="en-US" dirty="0"/>
           </a:p>
@@ -10690,6 +10690,9 @@
             </a:r>
           </a:p>
           <a:p>
+            <a:pPr marL="0" indent="0">
+              <a:buNone/>
+            </a:pPr>
             <a:br>
               <a:rPr lang="en-US" dirty="0"/>
             </a:br>

--- a/Slides/Day-2/FASTAPI Development using Python on Cloud-Day2.pptx
+++ b/Slides/Day-2/FASTAPI Development using Python on Cloud-Day2.pptx
@@ -3496,7 +3496,7 @@
           <a:p>
             <a:fld id="{FD1C4689-B28D-4D3C-8B05-9ABB967E2A3E}" type="datetime1">
               <a:rPr lang="en-US" smtClean="0"/>
-              <a:t>2/9/2026</a:t>
+              <a:t>2/10/2026</a:t>
             </a:fld>
             <a:endParaRPr lang="en-US" dirty="0"/>
           </a:p>
@@ -3753,7 +3753,7 @@
           <a:p>
             <a:fld id="{FD1C4689-B28D-4D3C-8B05-9ABB967E2A3E}" type="datetime1">
               <a:rPr lang="en-US" smtClean="0"/>
-              <a:t>2/9/2026</a:t>
+              <a:t>2/10/2026</a:t>
             </a:fld>
             <a:endParaRPr lang="en-US" dirty="0"/>
           </a:p>
@@ -4073,7 +4073,7 @@
           <a:p>
             <a:fld id="{FD1C4689-B28D-4D3C-8B05-9ABB967E2A3E}" type="datetime1">
               <a:rPr lang="en-US" smtClean="0"/>
-              <a:t>2/9/2026</a:t>
+              <a:t>2/10/2026</a:t>
             </a:fld>
             <a:endParaRPr lang="en-US" dirty="0"/>
           </a:p>
@@ -4412,7 +4412,7 @@
           <a:p>
             <a:fld id="{FD1C4689-B28D-4D3C-8B05-9ABB967E2A3E}" type="datetime1">
               <a:rPr lang="en-US" smtClean="0"/>
-              <a:t>2/9/2026</a:t>
+              <a:t>2/10/2026</a:t>
             </a:fld>
             <a:endParaRPr lang="en-US" dirty="0"/>
           </a:p>
@@ -4732,7 +4732,7 @@
           <a:p>
             <a:fld id="{FD1C4689-B28D-4D3C-8B05-9ABB967E2A3E}" type="datetime1">
               <a:rPr lang="en-US" smtClean="0"/>
-              <a:t>2/9/2026</a:t>
+              <a:t>2/10/2026</a:t>
             </a:fld>
             <a:endParaRPr lang="en-US" dirty="0"/>
           </a:p>
@@ -5131,7 +5131,7 @@
           <a:p>
             <a:fld id="{FD1C4689-B28D-4D3C-8B05-9ABB967E2A3E}" type="datetime1">
               <a:rPr lang="en-US" smtClean="0"/>
-              <a:t>2/9/2026</a:t>
+              <a:t>2/10/2026</a:t>
             </a:fld>
             <a:endParaRPr lang="en-US" dirty="0"/>
           </a:p>
@@ -5307,7 +5307,7 @@
           <a:p>
             <a:fld id="{FD1C4689-B28D-4D3C-8B05-9ABB967E2A3E}" type="datetime1">
               <a:rPr lang="en-US" smtClean="0"/>
-              <a:t>2/9/2026</a:t>
+              <a:t>2/10/2026</a:t>
             </a:fld>
             <a:endParaRPr lang="en-US" dirty="0"/>
           </a:p>
@@ -5493,7 +5493,7 @@
           <a:p>
             <a:fld id="{FD1C4689-B28D-4D3C-8B05-9ABB967E2A3E}" type="datetime1">
               <a:rPr lang="en-US" smtClean="0"/>
-              <a:t>2/9/2026</a:t>
+              <a:t>2/10/2026</a:t>
             </a:fld>
             <a:endParaRPr lang="en-US" dirty="0"/>
           </a:p>
@@ -5669,7 +5669,7 @@
           <a:p>
             <a:fld id="{FD1C4689-B28D-4D3C-8B05-9ABB967E2A3E}" type="datetime1">
               <a:rPr lang="en-US" smtClean="0"/>
-              <a:t>2/9/2026</a:t>
+              <a:t>2/10/2026</a:t>
             </a:fld>
             <a:endParaRPr lang="en-US" dirty="0"/>
           </a:p>
@@ -5922,7 +5922,7 @@
           <a:p>
             <a:fld id="{FD1C4689-B28D-4D3C-8B05-9ABB967E2A3E}" type="datetime1">
               <a:rPr lang="en-US" smtClean="0"/>
-              <a:t>2/9/2026</a:t>
+              <a:t>2/10/2026</a:t>
             </a:fld>
             <a:endParaRPr lang="en-US" dirty="0"/>
           </a:p>
@@ -6160,7 +6160,7 @@
           <a:p>
             <a:fld id="{FD1C4689-B28D-4D3C-8B05-9ABB967E2A3E}" type="datetime1">
               <a:rPr lang="en-US" smtClean="0"/>
-              <a:t>2/9/2026</a:t>
+              <a:t>2/10/2026</a:t>
             </a:fld>
             <a:endParaRPr lang="en-US" dirty="0"/>
           </a:p>
@@ -6540,7 +6540,7 @@
           <a:p>
             <a:fld id="{FD1C4689-B28D-4D3C-8B05-9ABB967E2A3E}" type="datetime1">
               <a:rPr lang="en-US" smtClean="0"/>
-              <a:t>2/9/2026</a:t>
+              <a:t>2/10/2026</a:t>
             </a:fld>
             <a:endParaRPr lang="en-US" dirty="0"/>
           </a:p>
@@ -6669,7 +6669,7 @@
           <a:p>
             <a:fld id="{7C72CE4D-D83F-44D4-ACB0-A88A6B9DB4F7}" type="datetime1">
               <a:rPr lang="en-US" smtClean="0"/>
-              <a:t>2/9/2026</a:t>
+              <a:t>2/10/2026</a:t>
             </a:fld>
             <a:endParaRPr lang="en-US"/>
           </a:p>
@@ -6767,7 +6767,7 @@
           <a:p>
             <a:fld id="{9A62F981-1EE1-49F5-B605-4EA23F0307AC}" type="datetime1">
               <a:rPr lang="en-US" smtClean="0"/>
-              <a:t>2/9/2026</a:t>
+              <a:t>2/10/2026</a:t>
             </a:fld>
             <a:endParaRPr lang="en-US"/>
           </a:p>
@@ -7025,7 +7025,7 @@
           <a:p>
             <a:fld id="{B0B6493B-A447-4205-AC2D-AE2DEDAE4E3B}" type="datetime1">
               <a:rPr lang="en-US" smtClean="0"/>
-              <a:t>2/9/2026</a:t>
+              <a:t>2/10/2026</a:t>
             </a:fld>
             <a:endParaRPr lang="en-US"/>
           </a:p>
@@ -7338,7 +7338,7 @@
           <a:p>
             <a:fld id="{FD1C4689-B28D-4D3C-8B05-9ABB967E2A3E}" type="datetime1">
               <a:rPr lang="en-US" smtClean="0"/>
-              <a:t>2/9/2026</a:t>
+              <a:t>2/10/2026</a:t>
             </a:fld>
             <a:endParaRPr lang="en-US" dirty="0"/>
           </a:p>
@@ -8097,7 +8097,7 @@
           <a:p>
             <a:fld id="{FD1C4689-B28D-4D3C-8B05-9ABB967E2A3E}" type="datetime1">
               <a:rPr lang="en-US" smtClean="0"/>
-              <a:t>2/9/2026</a:t>
+              <a:t>2/10/2026</a:t>
             </a:fld>
             <a:endParaRPr lang="en-US" dirty="0"/>
           </a:p>
